--- a/pub/Education/AfricaGridSchool12Materials/Intro_Anal_Ex.pptx
+++ b/pub/Education/AfricaGridSchool12Materials/Intro_Anal_Ex.pptx
@@ -9,21 +9,22 @@
     <p:sldMasterId id="2147483684" r:id="rId5"/>
   </p:sldMasterIdLst>
   <p:notesMasterIdLst>
-    <p:notesMasterId r:id="rId15"/>
+    <p:notesMasterId r:id="rId16"/>
   </p:notesMasterIdLst>
   <p:handoutMasterIdLst>
-    <p:handoutMasterId r:id="rId16"/>
+    <p:handoutMasterId r:id="rId17"/>
   </p:handoutMasterIdLst>
   <p:sldIdLst>
     <p:sldId id="256" r:id="rId6"/>
     <p:sldId id="264" r:id="rId7"/>
     <p:sldId id="257" r:id="rId8"/>
     <p:sldId id="258" r:id="rId9"/>
-    <p:sldId id="259" r:id="rId10"/>
-    <p:sldId id="261" r:id="rId11"/>
-    <p:sldId id="260" r:id="rId12"/>
-    <p:sldId id="262" r:id="rId13"/>
-    <p:sldId id="263" r:id="rId14"/>
+    <p:sldId id="265" r:id="rId10"/>
+    <p:sldId id="259" r:id="rId11"/>
+    <p:sldId id="261" r:id="rId12"/>
+    <p:sldId id="260" r:id="rId13"/>
+    <p:sldId id="262" r:id="rId14"/>
+    <p:sldId id="263" r:id="rId15"/>
   </p:sldIdLst>
   <p:sldSz cx="9144000" cy="6858000" type="screen4x3"/>
   <p:notesSz cx="6858000" cy="9144000"/>
@@ -207,6 +208,7 @@
           <a:p>
             <a:fld id="{FFD9351E-39D2-408B-953C-061215381C0E}" type="datetimeFigureOut">
               <a:rPr lang="en-US" smtClean="0"/>
+              <a:pPr/>
               <a:t>8/7/2012</a:t>
             </a:fld>
             <a:endParaRPr lang="en-US"/>
@@ -277,6 +279,7 @@
           <a:p>
             <a:fld id="{6F232062-94D4-423A-911C-20CD0D8A58AD}" type="slidenum">
               <a:rPr lang="en-US" smtClean="0"/>
+              <a:pPr/>
               <a:t>‹#›</a:t>
             </a:fld>
             <a:endParaRPr lang="en-US"/>
@@ -372,6 +375,7 @@
           <a:p>
             <a:fld id="{22CABBE9-C9C6-46DE-8D54-D13C80DFF90B}" type="datetimeFigureOut">
               <a:rPr lang="en-US" smtClean="0"/>
+              <a:pPr/>
               <a:t>8/7/2012</a:t>
             </a:fld>
             <a:endParaRPr lang="en-US"/>
@@ -537,6 +541,7 @@
           <a:p>
             <a:fld id="{381F585D-D26D-4D23-B364-856B365E2B36}" type="slidenum">
               <a:rPr lang="en-US" smtClean="0"/>
+              <a:pPr/>
               <a:t>‹#›</a:t>
             </a:fld>
             <a:endParaRPr lang="en-US"/>
@@ -709,6 +714,7 @@
           <a:p>
             <a:fld id="{381F585D-D26D-4D23-B364-856B365E2B36}" type="slidenum">
               <a:rPr lang="en-US" smtClean="0"/>
+              <a:pPr/>
               <a:t>1</a:t>
             </a:fld>
             <a:endParaRPr lang="en-US"/>
@@ -813,6 +819,7 @@
           <a:p>
             <a:fld id="{381F585D-D26D-4D23-B364-856B365E2B36}" type="slidenum">
               <a:rPr lang="en-US" smtClean="0"/>
+              <a:pPr/>
               <a:t>2</a:t>
             </a:fld>
             <a:endParaRPr lang="en-US"/>
@@ -1623,6 +1630,7 @@
           <a:p>
             <a:fld id="{CC854CD9-BC99-4E5F-A058-EA0FD424C359}" type="datetimeFigureOut">
               <a:rPr lang="en-US" smtClean="0"/>
+              <a:pPr/>
               <a:t>8/7/2012</a:t>
             </a:fld>
             <a:endParaRPr lang="en-US"/>
@@ -1665,6 +1673,7 @@
           <a:p>
             <a:fld id="{268CA7E9-1072-4D4D-B324-8E5889B8F574}" type="slidenum">
               <a:rPr lang="en-US" smtClean="0"/>
+              <a:pPr/>
               <a:t>‹#›</a:t>
             </a:fld>
             <a:endParaRPr lang="en-US"/>
@@ -1788,6 +1797,7 @@
           <a:p>
             <a:fld id="{CC854CD9-BC99-4E5F-A058-EA0FD424C359}" type="datetimeFigureOut">
               <a:rPr lang="en-US" smtClean="0"/>
+              <a:pPr/>
               <a:t>8/7/2012</a:t>
             </a:fld>
             <a:endParaRPr lang="en-US"/>
@@ -1830,6 +1840,7 @@
           <a:p>
             <a:fld id="{268CA7E9-1072-4D4D-B324-8E5889B8F574}" type="slidenum">
               <a:rPr lang="en-US" smtClean="0"/>
+              <a:pPr/>
               <a:t>‹#›</a:t>
             </a:fld>
             <a:endParaRPr lang="en-US"/>
@@ -2029,6 +2040,7 @@
           <a:p>
             <a:fld id="{CC854CD9-BC99-4E5F-A058-EA0FD424C359}" type="datetimeFigureOut">
               <a:rPr lang="en-US" smtClean="0"/>
+              <a:pPr/>
               <a:t>8/7/2012</a:t>
             </a:fld>
             <a:endParaRPr lang="en-US"/>
@@ -2071,6 +2083,7 @@
           <a:p>
             <a:fld id="{268CA7E9-1072-4D4D-B324-8E5889B8F574}" type="slidenum">
               <a:rPr lang="en-US" smtClean="0"/>
+              <a:pPr/>
               <a:t>‹#›</a:t>
             </a:fld>
             <a:endParaRPr lang="en-US"/>
@@ -2312,6 +2325,7 @@
           <a:p>
             <a:fld id="{CC854CD9-BC99-4E5F-A058-EA0FD424C359}" type="datetimeFigureOut">
               <a:rPr lang="en-US" smtClean="0"/>
+              <a:pPr/>
               <a:t>8/7/2012</a:t>
             </a:fld>
             <a:endParaRPr lang="en-US"/>
@@ -2354,6 +2368,7 @@
           <a:p>
             <a:fld id="{268CA7E9-1072-4D4D-B324-8E5889B8F574}" type="slidenum">
               <a:rPr lang="en-US" smtClean="0"/>
+              <a:pPr/>
               <a:t>‹#›</a:t>
             </a:fld>
             <a:endParaRPr lang="en-US"/>
@@ -2729,6 +2744,7 @@
           <a:p>
             <a:fld id="{CC854CD9-BC99-4E5F-A058-EA0FD424C359}" type="datetimeFigureOut">
               <a:rPr lang="en-US" smtClean="0"/>
+              <a:pPr/>
               <a:t>8/7/2012</a:t>
             </a:fld>
             <a:endParaRPr lang="en-US"/>
@@ -2771,6 +2787,7 @@
           <a:p>
             <a:fld id="{268CA7E9-1072-4D4D-B324-8E5889B8F574}" type="slidenum">
               <a:rPr lang="en-US" smtClean="0"/>
+              <a:pPr/>
               <a:t>‹#›</a:t>
             </a:fld>
             <a:endParaRPr lang="en-US"/>
@@ -2842,6 +2859,7 @@
           <a:p>
             <a:fld id="{CC854CD9-BC99-4E5F-A058-EA0FD424C359}" type="datetimeFigureOut">
               <a:rPr lang="en-US" smtClean="0"/>
+              <a:pPr/>
               <a:t>8/7/2012</a:t>
             </a:fld>
             <a:endParaRPr lang="en-US"/>
@@ -2884,6 +2902,7 @@
           <a:p>
             <a:fld id="{268CA7E9-1072-4D4D-B324-8E5889B8F574}" type="slidenum">
               <a:rPr lang="en-US" smtClean="0"/>
+              <a:pPr/>
               <a:t>‹#›</a:t>
             </a:fld>
             <a:endParaRPr lang="en-US"/>
@@ -2932,6 +2951,7 @@
           <a:p>
             <a:fld id="{CC854CD9-BC99-4E5F-A058-EA0FD424C359}" type="datetimeFigureOut">
               <a:rPr lang="en-US" smtClean="0"/>
+              <a:pPr/>
               <a:t>8/7/2012</a:t>
             </a:fld>
             <a:endParaRPr lang="en-US"/>
@@ -2974,6 +2994,7 @@
           <a:p>
             <a:fld id="{268CA7E9-1072-4D4D-B324-8E5889B8F574}" type="slidenum">
               <a:rPr lang="en-US" smtClean="0"/>
+              <a:pPr/>
               <a:t>‹#›</a:t>
             </a:fld>
             <a:endParaRPr lang="en-US"/>
@@ -3204,6 +3225,7 @@
           <a:p>
             <a:fld id="{CC854CD9-BC99-4E5F-A058-EA0FD424C359}" type="datetimeFigureOut">
               <a:rPr lang="en-US" smtClean="0"/>
+              <a:pPr/>
               <a:t>8/7/2012</a:t>
             </a:fld>
             <a:endParaRPr lang="en-US"/>
@@ -3246,6 +3268,7 @@
           <a:p>
             <a:fld id="{268CA7E9-1072-4D4D-B324-8E5889B8F574}" type="slidenum">
               <a:rPr lang="en-US" smtClean="0"/>
+              <a:pPr/>
               <a:t>‹#›</a:t>
             </a:fld>
             <a:endParaRPr lang="en-US"/>
@@ -3302,11 +3325,7 @@
             </a:r>
             <a:r>
               <a:rPr lang="en-US" dirty="0" smtClean="0"/>
-              <a:t> </a:t>
-            </a:r>
-            <a:r>
-              <a:rPr lang="en-US" dirty="0" smtClean="0"/>
-              <a:t>to edit Master title style</a:t>
+              <a:t> to edit Master title style</a:t>
             </a:r>
             <a:endParaRPr lang="en-US" dirty="0"/>
           </a:p>
@@ -3634,6 +3653,7 @@
           <a:p>
             <a:fld id="{CC854CD9-BC99-4E5F-A058-EA0FD424C359}" type="datetimeFigureOut">
               <a:rPr lang="en-US" smtClean="0"/>
+              <a:pPr/>
               <a:t>8/7/2012</a:t>
             </a:fld>
             <a:endParaRPr lang="en-US"/>
@@ -3676,6 +3696,7 @@
           <a:p>
             <a:fld id="{268CA7E9-1072-4D4D-B324-8E5889B8F574}" type="slidenum">
               <a:rPr lang="en-US" smtClean="0"/>
+              <a:pPr/>
               <a:t>‹#›</a:t>
             </a:fld>
             <a:endParaRPr lang="en-US"/>
@@ -3799,6 +3820,7 @@
           <a:p>
             <a:fld id="{CC854CD9-BC99-4E5F-A058-EA0FD424C359}" type="datetimeFigureOut">
               <a:rPr lang="en-US" smtClean="0"/>
+              <a:pPr/>
               <a:t>8/7/2012</a:t>
             </a:fld>
             <a:endParaRPr lang="en-US"/>
@@ -3841,6 +3863,7 @@
           <a:p>
             <a:fld id="{268CA7E9-1072-4D4D-B324-8E5889B8F574}" type="slidenum">
               <a:rPr lang="en-US" smtClean="0"/>
+              <a:pPr/>
               <a:t>‹#›</a:t>
             </a:fld>
             <a:endParaRPr lang="en-US"/>
@@ -3974,6 +3997,7 @@
           <a:p>
             <a:fld id="{CC854CD9-BC99-4E5F-A058-EA0FD424C359}" type="datetimeFigureOut">
               <a:rPr lang="en-US" smtClean="0"/>
+              <a:pPr/>
               <a:t>8/7/2012</a:t>
             </a:fld>
             <a:endParaRPr lang="en-US"/>
@@ -4016,6 +4040,7 @@
           <a:p>
             <a:fld id="{268CA7E9-1072-4D4D-B324-8E5889B8F574}" type="slidenum">
               <a:rPr lang="en-US" smtClean="0"/>
+              <a:pPr/>
               <a:t>‹#›</a:t>
             </a:fld>
             <a:endParaRPr lang="en-US"/>
@@ -4091,6 +4116,7 @@
           <a:p>
             <a:fld id="{CC854CD9-BC99-4E5F-A058-EA0FD424C359}" type="datetimeFigureOut">
               <a:rPr lang="en-US" smtClean="0"/>
+              <a:pPr/>
               <a:t>8/7/2012</a:t>
             </a:fld>
             <a:endParaRPr lang="en-US"/>
@@ -4133,6 +4159,7 @@
           <a:p>
             <a:fld id="{268CA7E9-1072-4D4D-B324-8E5889B8F574}" type="slidenum">
               <a:rPr lang="en-US" smtClean="0"/>
+              <a:pPr/>
               <a:t>‹#›</a:t>
             </a:fld>
             <a:endParaRPr lang="en-US"/>
@@ -4412,6 +4439,7 @@
           <a:p>
             <a:fld id="{B5728065-080D-41CA-9404-ED15213F0E81}" type="datetimeFigureOut">
               <a:rPr lang="en-US" smtClean="0"/>
+              <a:pPr/>
               <a:t>8/7/2012</a:t>
             </a:fld>
             <a:endParaRPr lang="en-US"/>
@@ -4454,6 +4482,7 @@
           <a:p>
             <a:fld id="{D4D64E85-6770-4CDA-9E82-B8B982C05960}" type="slidenum">
               <a:rPr lang="en-US" smtClean="0"/>
+              <a:pPr/>
               <a:t>‹#›</a:t>
             </a:fld>
             <a:endParaRPr lang="en-US"/>
@@ -4577,6 +4606,7 @@
           <a:p>
             <a:fld id="{B5728065-080D-41CA-9404-ED15213F0E81}" type="datetimeFigureOut">
               <a:rPr lang="en-US" smtClean="0"/>
+              <a:pPr/>
               <a:t>8/7/2012</a:t>
             </a:fld>
             <a:endParaRPr lang="en-US"/>
@@ -4619,6 +4649,7 @@
           <a:p>
             <a:fld id="{D4D64E85-6770-4CDA-9E82-B8B982C05960}" type="slidenum">
               <a:rPr lang="en-US" smtClean="0"/>
+              <a:pPr/>
               <a:t>‹#›</a:t>
             </a:fld>
             <a:endParaRPr lang="en-US"/>
@@ -4818,6 +4849,7 @@
           <a:p>
             <a:fld id="{B5728065-080D-41CA-9404-ED15213F0E81}" type="datetimeFigureOut">
               <a:rPr lang="en-US" smtClean="0"/>
+              <a:pPr/>
               <a:t>8/7/2012</a:t>
             </a:fld>
             <a:endParaRPr lang="en-US"/>
@@ -4860,6 +4892,7 @@
           <a:p>
             <a:fld id="{D4D64E85-6770-4CDA-9E82-B8B982C05960}" type="slidenum">
               <a:rPr lang="en-US" smtClean="0"/>
+              <a:pPr/>
               <a:t>‹#›</a:t>
             </a:fld>
             <a:endParaRPr lang="en-US"/>
@@ -5101,6 +5134,7 @@
           <a:p>
             <a:fld id="{B5728065-080D-41CA-9404-ED15213F0E81}" type="datetimeFigureOut">
               <a:rPr lang="en-US" smtClean="0"/>
+              <a:pPr/>
               <a:t>8/7/2012</a:t>
             </a:fld>
             <a:endParaRPr lang="en-US"/>
@@ -5143,6 +5177,7 @@
           <a:p>
             <a:fld id="{D4D64E85-6770-4CDA-9E82-B8B982C05960}" type="slidenum">
               <a:rPr lang="en-US" smtClean="0"/>
+              <a:pPr/>
               <a:t>‹#›</a:t>
             </a:fld>
             <a:endParaRPr lang="en-US"/>
@@ -5518,6 +5553,7 @@
           <a:p>
             <a:fld id="{B5728065-080D-41CA-9404-ED15213F0E81}" type="datetimeFigureOut">
               <a:rPr lang="en-US" smtClean="0"/>
+              <a:pPr/>
               <a:t>8/7/2012</a:t>
             </a:fld>
             <a:endParaRPr lang="en-US"/>
@@ -5560,6 +5596,7 @@
           <a:p>
             <a:fld id="{D4D64E85-6770-4CDA-9E82-B8B982C05960}" type="slidenum">
               <a:rPr lang="en-US" smtClean="0"/>
+              <a:pPr/>
               <a:t>‹#›</a:t>
             </a:fld>
             <a:endParaRPr lang="en-US"/>
@@ -5631,6 +5668,7 @@
           <a:p>
             <a:fld id="{B5728065-080D-41CA-9404-ED15213F0E81}" type="datetimeFigureOut">
               <a:rPr lang="en-US" smtClean="0"/>
+              <a:pPr/>
               <a:t>8/7/2012</a:t>
             </a:fld>
             <a:endParaRPr lang="en-US"/>
@@ -5673,6 +5711,7 @@
           <a:p>
             <a:fld id="{D4D64E85-6770-4CDA-9E82-B8B982C05960}" type="slidenum">
               <a:rPr lang="en-US" smtClean="0"/>
+              <a:pPr/>
               <a:t>‹#›</a:t>
             </a:fld>
             <a:endParaRPr lang="en-US"/>
@@ -5967,6 +6006,7 @@
           <a:p>
             <a:fld id="{B5728065-080D-41CA-9404-ED15213F0E81}" type="datetimeFigureOut">
               <a:rPr lang="en-US" smtClean="0"/>
+              <a:pPr/>
               <a:t>8/7/2012</a:t>
             </a:fld>
             <a:endParaRPr lang="en-US"/>
@@ -6009,6 +6049,7 @@
           <a:p>
             <a:fld id="{D4D64E85-6770-4CDA-9E82-B8B982C05960}" type="slidenum">
               <a:rPr lang="en-US" smtClean="0"/>
+              <a:pPr/>
               <a:t>‹#›</a:t>
             </a:fld>
             <a:endParaRPr lang="en-US"/>
@@ -6239,6 +6280,7 @@
           <a:p>
             <a:fld id="{B5728065-080D-41CA-9404-ED15213F0E81}" type="datetimeFigureOut">
               <a:rPr lang="en-US" smtClean="0"/>
+              <a:pPr/>
               <a:t>8/7/2012</a:t>
             </a:fld>
             <a:endParaRPr lang="en-US"/>
@@ -6281,6 +6323,7 @@
           <a:p>
             <a:fld id="{D4D64E85-6770-4CDA-9E82-B8B982C05960}" type="slidenum">
               <a:rPr lang="en-US" smtClean="0"/>
+              <a:pPr/>
               <a:t>‹#›</a:t>
             </a:fld>
             <a:endParaRPr lang="en-US"/>
@@ -6487,6 +6530,7 @@
           <a:p>
             <a:fld id="{B5728065-080D-41CA-9404-ED15213F0E81}" type="datetimeFigureOut">
               <a:rPr lang="en-US" smtClean="0"/>
+              <a:pPr/>
               <a:t>8/7/2012</a:t>
             </a:fld>
             <a:endParaRPr lang="en-US"/>
@@ -6529,6 +6573,7 @@
           <a:p>
             <a:fld id="{D4D64E85-6770-4CDA-9E82-B8B982C05960}" type="slidenum">
               <a:rPr lang="en-US" smtClean="0"/>
+              <a:pPr/>
               <a:t>‹#›</a:t>
             </a:fld>
             <a:endParaRPr lang="en-US"/>
@@ -6652,6 +6697,7 @@
           <a:p>
             <a:fld id="{B5728065-080D-41CA-9404-ED15213F0E81}" type="datetimeFigureOut">
               <a:rPr lang="en-US" smtClean="0"/>
+              <a:pPr/>
               <a:t>8/7/2012</a:t>
             </a:fld>
             <a:endParaRPr lang="en-US"/>
@@ -6694,6 +6740,7 @@
           <a:p>
             <a:fld id="{D4D64E85-6770-4CDA-9E82-B8B982C05960}" type="slidenum">
               <a:rPr lang="en-US" smtClean="0"/>
+              <a:pPr/>
               <a:t>‹#›</a:t>
             </a:fld>
             <a:endParaRPr lang="en-US"/>
@@ -6827,6 +6874,7 @@
           <a:p>
             <a:fld id="{B5728065-080D-41CA-9404-ED15213F0E81}" type="datetimeFigureOut">
               <a:rPr lang="en-US" smtClean="0"/>
+              <a:pPr/>
               <a:t>8/7/2012</a:t>
             </a:fld>
             <a:endParaRPr lang="en-US"/>
@@ -6869,6 +6917,7 @@
           <a:p>
             <a:fld id="{D4D64E85-6770-4CDA-9E82-B8B982C05960}" type="slidenum">
               <a:rPr lang="en-US" smtClean="0"/>
+              <a:pPr/>
               <a:t>‹#›</a:t>
             </a:fld>
             <a:endParaRPr lang="en-US"/>
@@ -7064,6 +7113,7 @@
           <a:p>
             <a:fld id="{293A4A93-3C97-45C6-8181-79F213CE4D4F}" type="datetimeFigureOut">
               <a:rPr lang="en-US" smtClean="0"/>
+              <a:pPr/>
               <a:t>8/7/2012</a:t>
             </a:fld>
             <a:endParaRPr lang="en-US"/>
@@ -7106,6 +7156,7 @@
           <a:p>
             <a:fld id="{CF03839C-FC92-407F-83B7-F9A31E74C946}" type="slidenum">
               <a:rPr lang="en-US" smtClean="0"/>
+              <a:pPr/>
               <a:t>‹#›</a:t>
             </a:fld>
             <a:endParaRPr lang="en-US"/>
@@ -7229,6 +7280,7 @@
           <a:p>
             <a:fld id="{293A4A93-3C97-45C6-8181-79F213CE4D4F}" type="datetimeFigureOut">
               <a:rPr lang="en-US" smtClean="0"/>
+              <a:pPr/>
               <a:t>8/7/2012</a:t>
             </a:fld>
             <a:endParaRPr lang="en-US"/>
@@ -7271,6 +7323,7 @@
           <a:p>
             <a:fld id="{CF03839C-FC92-407F-83B7-F9A31E74C946}" type="slidenum">
               <a:rPr lang="en-US" smtClean="0"/>
+              <a:pPr/>
               <a:t>‹#›</a:t>
             </a:fld>
             <a:endParaRPr lang="en-US"/>
@@ -7470,6 +7523,7 @@
           <a:p>
             <a:fld id="{293A4A93-3C97-45C6-8181-79F213CE4D4F}" type="datetimeFigureOut">
               <a:rPr lang="en-US" smtClean="0"/>
+              <a:pPr/>
               <a:t>8/7/2012</a:t>
             </a:fld>
             <a:endParaRPr lang="en-US"/>
@@ -7512,6 +7566,7 @@
           <a:p>
             <a:fld id="{CF03839C-FC92-407F-83B7-F9A31E74C946}" type="slidenum">
               <a:rPr lang="en-US" smtClean="0"/>
+              <a:pPr/>
               <a:t>‹#›</a:t>
             </a:fld>
             <a:endParaRPr lang="en-US"/>
@@ -7753,6 +7808,7 @@
           <a:p>
             <a:fld id="{293A4A93-3C97-45C6-8181-79F213CE4D4F}" type="datetimeFigureOut">
               <a:rPr lang="en-US" smtClean="0"/>
+              <a:pPr/>
               <a:t>8/7/2012</a:t>
             </a:fld>
             <a:endParaRPr lang="en-US"/>
@@ -7795,6 +7851,7 @@
           <a:p>
             <a:fld id="{CF03839C-FC92-407F-83B7-F9A31E74C946}" type="slidenum">
               <a:rPr lang="en-US" smtClean="0"/>
+              <a:pPr/>
               <a:t>‹#›</a:t>
             </a:fld>
             <a:endParaRPr lang="en-US"/>
@@ -8170,6 +8227,7 @@
           <a:p>
             <a:fld id="{293A4A93-3C97-45C6-8181-79F213CE4D4F}" type="datetimeFigureOut">
               <a:rPr lang="en-US" smtClean="0"/>
+              <a:pPr/>
               <a:t>8/7/2012</a:t>
             </a:fld>
             <a:endParaRPr lang="en-US"/>
@@ -8212,6 +8270,7 @@
           <a:p>
             <a:fld id="{CF03839C-FC92-407F-83B7-F9A31E74C946}" type="slidenum">
               <a:rPr lang="en-US" smtClean="0"/>
+              <a:pPr/>
               <a:t>‹#›</a:t>
             </a:fld>
             <a:endParaRPr lang="en-US"/>
@@ -8571,6 +8630,7 @@
           <a:p>
             <a:fld id="{293A4A93-3C97-45C6-8181-79F213CE4D4F}" type="datetimeFigureOut">
               <a:rPr lang="en-US" smtClean="0"/>
+              <a:pPr/>
               <a:t>8/7/2012</a:t>
             </a:fld>
             <a:endParaRPr lang="en-US"/>
@@ -8613,6 +8673,7 @@
           <a:p>
             <a:fld id="{CF03839C-FC92-407F-83B7-F9A31E74C946}" type="slidenum">
               <a:rPr lang="en-US" smtClean="0"/>
+              <a:pPr/>
               <a:t>‹#›</a:t>
             </a:fld>
             <a:endParaRPr lang="en-US"/>
@@ -8661,6 +8722,7 @@
           <a:p>
             <a:fld id="{293A4A93-3C97-45C6-8181-79F213CE4D4F}" type="datetimeFigureOut">
               <a:rPr lang="en-US" smtClean="0"/>
+              <a:pPr/>
               <a:t>8/7/2012</a:t>
             </a:fld>
             <a:endParaRPr lang="en-US"/>
@@ -8703,6 +8765,7 @@
           <a:p>
             <a:fld id="{CF03839C-FC92-407F-83B7-F9A31E74C946}" type="slidenum">
               <a:rPr lang="en-US" smtClean="0"/>
+              <a:pPr/>
               <a:t>‹#›</a:t>
             </a:fld>
             <a:endParaRPr lang="en-US"/>
@@ -8933,6 +8996,7 @@
           <a:p>
             <a:fld id="{293A4A93-3C97-45C6-8181-79F213CE4D4F}" type="datetimeFigureOut">
               <a:rPr lang="en-US" smtClean="0"/>
+              <a:pPr/>
               <a:t>8/7/2012</a:t>
             </a:fld>
             <a:endParaRPr lang="en-US"/>
@@ -8975,6 +9039,7 @@
           <a:p>
             <a:fld id="{CF03839C-FC92-407F-83B7-F9A31E74C946}" type="slidenum">
               <a:rPr lang="en-US" smtClean="0"/>
+              <a:pPr/>
               <a:t>‹#›</a:t>
             </a:fld>
             <a:endParaRPr lang="en-US"/>
@@ -9181,6 +9246,7 @@
           <a:p>
             <a:fld id="{293A4A93-3C97-45C6-8181-79F213CE4D4F}" type="datetimeFigureOut">
               <a:rPr lang="en-US" smtClean="0"/>
+              <a:pPr/>
               <a:t>8/7/2012</a:t>
             </a:fld>
             <a:endParaRPr lang="en-US"/>
@@ -9223,6 +9289,7 @@
           <a:p>
             <a:fld id="{CF03839C-FC92-407F-83B7-F9A31E74C946}" type="slidenum">
               <a:rPr lang="en-US" smtClean="0"/>
+              <a:pPr/>
               <a:t>‹#›</a:t>
             </a:fld>
             <a:endParaRPr lang="en-US"/>
@@ -9346,6 +9413,7 @@
           <a:p>
             <a:fld id="{293A4A93-3C97-45C6-8181-79F213CE4D4F}" type="datetimeFigureOut">
               <a:rPr lang="en-US" smtClean="0"/>
+              <a:pPr/>
               <a:t>8/7/2012</a:t>
             </a:fld>
             <a:endParaRPr lang="en-US"/>
@@ -9388,6 +9456,7 @@
           <a:p>
             <a:fld id="{CF03839C-FC92-407F-83B7-F9A31E74C946}" type="slidenum">
               <a:rPr lang="en-US" smtClean="0"/>
+              <a:pPr/>
               <a:t>‹#›</a:t>
             </a:fld>
             <a:endParaRPr lang="en-US"/>
@@ -9521,6 +9590,7 @@
           <a:p>
             <a:fld id="{293A4A93-3C97-45C6-8181-79F213CE4D4F}" type="datetimeFigureOut">
               <a:rPr lang="en-US" smtClean="0"/>
+              <a:pPr/>
               <a:t>8/7/2012</a:t>
             </a:fld>
             <a:endParaRPr lang="en-US"/>
@@ -9563,6 +9633,7 @@
           <a:p>
             <a:fld id="{CF03839C-FC92-407F-83B7-F9A31E74C946}" type="slidenum">
               <a:rPr lang="en-US" smtClean="0"/>
+              <a:pPr/>
               <a:t>‹#›</a:t>
             </a:fld>
             <a:endParaRPr lang="en-US"/>
@@ -9758,6 +9829,7 @@
           <a:p>
             <a:fld id="{CA6733CF-9BB1-49F8-83C0-B81391444CB2}" type="datetimeFigureOut">
               <a:rPr lang="en-US" smtClean="0"/>
+              <a:pPr/>
               <a:t>8/7/2012</a:t>
             </a:fld>
             <a:endParaRPr lang="en-US"/>
@@ -9800,6 +9872,7 @@
           <a:p>
             <a:fld id="{37205DD0-CCA5-4661-907B-5D69711BA82C}" type="slidenum">
               <a:rPr lang="en-US" smtClean="0"/>
+              <a:pPr/>
               <a:t>‹#›</a:t>
             </a:fld>
             <a:endParaRPr lang="en-US"/>
@@ -9923,6 +9996,7 @@
           <a:p>
             <a:fld id="{CA6733CF-9BB1-49F8-83C0-B81391444CB2}" type="datetimeFigureOut">
               <a:rPr lang="en-US" smtClean="0"/>
+              <a:pPr/>
               <a:t>8/7/2012</a:t>
             </a:fld>
             <a:endParaRPr lang="en-US"/>
@@ -9965,6 +10039,7 @@
           <a:p>
             <a:fld id="{37205DD0-CCA5-4661-907B-5D69711BA82C}" type="slidenum">
               <a:rPr lang="en-US" smtClean="0"/>
+              <a:pPr/>
               <a:t>‹#›</a:t>
             </a:fld>
             <a:endParaRPr lang="en-US"/>
@@ -10164,6 +10239,7 @@
           <a:p>
             <a:fld id="{CA6733CF-9BB1-49F8-83C0-B81391444CB2}" type="datetimeFigureOut">
               <a:rPr lang="en-US" smtClean="0"/>
+              <a:pPr/>
               <a:t>8/7/2012</a:t>
             </a:fld>
             <a:endParaRPr lang="en-US"/>
@@ -10206,6 +10282,7 @@
           <a:p>
             <a:fld id="{37205DD0-CCA5-4661-907B-5D69711BA82C}" type="slidenum">
               <a:rPr lang="en-US" smtClean="0"/>
+              <a:pPr/>
               <a:t>‹#›</a:t>
             </a:fld>
             <a:endParaRPr lang="en-US"/>
@@ -10447,6 +10524,7 @@
           <a:p>
             <a:fld id="{CA6733CF-9BB1-49F8-83C0-B81391444CB2}" type="datetimeFigureOut">
               <a:rPr lang="en-US" smtClean="0"/>
+              <a:pPr/>
               <a:t>8/7/2012</a:t>
             </a:fld>
             <a:endParaRPr lang="en-US"/>
@@ -10489,6 +10567,7 @@
           <a:p>
             <a:fld id="{37205DD0-CCA5-4661-907B-5D69711BA82C}" type="slidenum">
               <a:rPr lang="en-US" smtClean="0"/>
+              <a:pPr/>
               <a:t>‹#›</a:t>
             </a:fld>
             <a:endParaRPr lang="en-US"/>
@@ -11286,6 +11365,7 @@
           <a:p>
             <a:fld id="{CA6733CF-9BB1-49F8-83C0-B81391444CB2}" type="datetimeFigureOut">
               <a:rPr lang="en-US" smtClean="0"/>
+              <a:pPr/>
               <a:t>8/7/2012</a:t>
             </a:fld>
             <a:endParaRPr lang="en-US"/>
@@ -11328,6 +11408,7 @@
           <a:p>
             <a:fld id="{37205DD0-CCA5-4661-907B-5D69711BA82C}" type="slidenum">
               <a:rPr lang="en-US" smtClean="0"/>
+              <a:pPr/>
               <a:t>‹#›</a:t>
             </a:fld>
             <a:endParaRPr lang="en-US"/>
@@ -11399,6 +11480,7 @@
           <a:p>
             <a:fld id="{CA6733CF-9BB1-49F8-83C0-B81391444CB2}" type="datetimeFigureOut">
               <a:rPr lang="en-US" smtClean="0"/>
+              <a:pPr/>
               <a:t>8/7/2012</a:t>
             </a:fld>
             <a:endParaRPr lang="en-US"/>
@@ -11441,6 +11523,7 @@
           <a:p>
             <a:fld id="{37205DD0-CCA5-4661-907B-5D69711BA82C}" type="slidenum">
               <a:rPr lang="en-US" smtClean="0"/>
+              <a:pPr/>
               <a:t>‹#›</a:t>
             </a:fld>
             <a:endParaRPr lang="en-US"/>
@@ -11489,6 +11572,7 @@
           <a:p>
             <a:fld id="{CA6733CF-9BB1-49F8-83C0-B81391444CB2}" type="datetimeFigureOut">
               <a:rPr lang="en-US" smtClean="0"/>
+              <a:pPr/>
               <a:t>8/7/2012</a:t>
             </a:fld>
             <a:endParaRPr lang="en-US"/>
@@ -11531,6 +11615,7 @@
           <a:p>
             <a:fld id="{37205DD0-CCA5-4661-907B-5D69711BA82C}" type="slidenum">
               <a:rPr lang="en-US" smtClean="0"/>
+              <a:pPr/>
               <a:t>‹#›</a:t>
             </a:fld>
             <a:endParaRPr lang="en-US"/>
@@ -11761,6 +11846,7 @@
           <a:p>
             <a:fld id="{CA6733CF-9BB1-49F8-83C0-B81391444CB2}" type="datetimeFigureOut">
               <a:rPr lang="en-US" smtClean="0"/>
+              <a:pPr/>
               <a:t>8/7/2012</a:t>
             </a:fld>
             <a:endParaRPr lang="en-US"/>
@@ -11803,6 +11889,7 @@
           <a:p>
             <a:fld id="{37205DD0-CCA5-4661-907B-5D69711BA82C}" type="slidenum">
               <a:rPr lang="en-US" smtClean="0"/>
+              <a:pPr/>
               <a:t>‹#›</a:t>
             </a:fld>
             <a:endParaRPr lang="en-US"/>
@@ -12009,6 +12096,7 @@
           <a:p>
             <a:fld id="{CA6733CF-9BB1-49F8-83C0-B81391444CB2}" type="datetimeFigureOut">
               <a:rPr lang="en-US" smtClean="0"/>
+              <a:pPr/>
               <a:t>8/7/2012</a:t>
             </a:fld>
             <a:endParaRPr lang="en-US"/>
@@ -12051,6 +12139,7 @@
           <a:p>
             <a:fld id="{37205DD0-CCA5-4661-907B-5D69711BA82C}" type="slidenum">
               <a:rPr lang="en-US" smtClean="0"/>
+              <a:pPr/>
               <a:t>‹#›</a:t>
             </a:fld>
             <a:endParaRPr lang="en-US"/>
@@ -12174,6 +12263,7 @@
           <a:p>
             <a:fld id="{CA6733CF-9BB1-49F8-83C0-B81391444CB2}" type="datetimeFigureOut">
               <a:rPr lang="en-US" smtClean="0"/>
+              <a:pPr/>
               <a:t>8/7/2012</a:t>
             </a:fld>
             <a:endParaRPr lang="en-US"/>
@@ -12216,6 +12306,7 @@
           <a:p>
             <a:fld id="{37205DD0-CCA5-4661-907B-5D69711BA82C}" type="slidenum">
               <a:rPr lang="en-US" smtClean="0"/>
+              <a:pPr/>
               <a:t>‹#›</a:t>
             </a:fld>
             <a:endParaRPr lang="en-US"/>
@@ -12349,6 +12440,7 @@
           <a:p>
             <a:fld id="{CA6733CF-9BB1-49F8-83C0-B81391444CB2}" type="datetimeFigureOut">
               <a:rPr lang="en-US" smtClean="0"/>
+              <a:pPr/>
               <a:t>8/7/2012</a:t>
             </a:fld>
             <a:endParaRPr lang="en-US"/>
@@ -12391,6 +12483,7 @@
           <a:p>
             <a:fld id="{37205DD0-CCA5-4661-907B-5D69711BA82C}" type="slidenum">
               <a:rPr lang="en-US" smtClean="0"/>
+              <a:pPr/>
               <a:t>‹#›</a:t>
             </a:fld>
             <a:endParaRPr lang="en-US"/>
@@ -13815,6 +13908,7 @@
           <a:p>
             <a:fld id="{CC854CD9-BC99-4E5F-A058-EA0FD424C359}" type="datetimeFigureOut">
               <a:rPr lang="en-US" smtClean="0"/>
+              <a:pPr/>
               <a:t>8/7/2012</a:t>
             </a:fld>
             <a:endParaRPr lang="en-US"/>
@@ -13893,6 +13987,7 @@
           <a:p>
             <a:fld id="{268CA7E9-1072-4D4D-B324-8E5889B8F574}" type="slidenum">
               <a:rPr lang="en-US" smtClean="0"/>
+              <a:pPr/>
               <a:t>‹#›</a:t>
             </a:fld>
             <a:endParaRPr lang="en-US"/>
@@ -14321,6 +14416,7 @@
           <a:p>
             <a:fld id="{B5728065-080D-41CA-9404-ED15213F0E81}" type="datetimeFigureOut">
               <a:rPr lang="en-US" smtClean="0"/>
+              <a:pPr/>
               <a:t>8/7/2012</a:t>
             </a:fld>
             <a:endParaRPr lang="en-US"/>
@@ -14399,6 +14495,7 @@
           <a:p>
             <a:fld id="{D4D64E85-6770-4CDA-9E82-B8B982C05960}" type="slidenum">
               <a:rPr lang="en-US" smtClean="0"/>
+              <a:pPr/>
               <a:t>‹#›</a:t>
             </a:fld>
             <a:endParaRPr lang="en-US"/>
@@ -14826,6 +14923,7 @@
           <a:p>
             <a:fld id="{293A4A93-3C97-45C6-8181-79F213CE4D4F}" type="datetimeFigureOut">
               <a:rPr lang="en-US" smtClean="0"/>
+              <a:pPr/>
               <a:t>8/7/2012</a:t>
             </a:fld>
             <a:endParaRPr lang="en-US"/>
@@ -14904,6 +15002,7 @@
           <a:p>
             <a:fld id="{CF03839C-FC92-407F-83B7-F9A31E74C946}" type="slidenum">
               <a:rPr lang="en-US" smtClean="0"/>
+              <a:pPr/>
               <a:t>‹#›</a:t>
             </a:fld>
             <a:endParaRPr lang="en-US"/>
@@ -15331,6 +15430,7 @@
           <a:p>
             <a:fld id="{CA6733CF-9BB1-49F8-83C0-B81391444CB2}" type="datetimeFigureOut">
               <a:rPr lang="en-US" smtClean="0"/>
+              <a:pPr/>
               <a:t>8/7/2012</a:t>
             </a:fld>
             <a:endParaRPr lang="en-US"/>
@@ -15409,6 +15509,7 @@
           <a:p>
             <a:fld id="{37205DD0-CCA5-4661-907B-5D69711BA82C}" type="slidenum">
               <a:rPr lang="en-US" smtClean="0"/>
+              <a:pPr/>
               <a:t>‹#›</a:t>
             </a:fld>
             <a:endParaRPr lang="en-US"/>
@@ -15844,6 +15945,182 @@
 </p:sld>
 </file>
 
+<file path=ppt/slides/slide10.xml><?xml version="1.0" encoding="utf-8"?>
+<p:sld xmlns:a="http://schemas.openxmlformats.org/drawingml/2006/main" xmlns:r="http://schemas.openxmlformats.org/officeDocument/2006/relationships" xmlns:p="http://schemas.openxmlformats.org/presentationml/2006/main">
+  <p:cSld>
+    <p:spTree>
+      <p:nvGrpSpPr>
+        <p:cNvPr id="1" name=""/>
+        <p:cNvGrpSpPr/>
+        <p:nvPr/>
+      </p:nvGrpSpPr>
+      <p:grpSpPr>
+        <a:xfrm>
+          <a:off x="0" y="0"/>
+          <a:ext cx="0" cy="0"/>
+          <a:chOff x="0" y="0"/>
+          <a:chExt cx="0" cy="0"/>
+        </a:xfrm>
+      </p:grpSpPr>
+      <p:sp>
+        <p:nvSpPr>
+          <p:cNvPr id="2" name="Title 1"/>
+          <p:cNvSpPr>
+            <a:spLocks noGrp="1"/>
+          </p:cNvSpPr>
+          <p:nvPr>
+            <p:ph type="title"/>
+          </p:nvPr>
+        </p:nvSpPr>
+        <p:spPr/>
+        <p:txBody>
+          <a:bodyPr/>
+          <a:lstStyle/>
+          <a:p>
+            <a:r>
+              <a:rPr lang="en-US" dirty="0" smtClean="0">
+                <a:solidFill>
+                  <a:srgbClr val="002060"/>
+                </a:solidFill>
+              </a:rPr>
+              <a:t>Conclusion</a:t>
+            </a:r>
+            <a:endParaRPr lang="en-US" dirty="0">
+              <a:solidFill>
+                <a:srgbClr val="002060"/>
+              </a:solidFill>
+            </a:endParaRPr>
+          </a:p>
+        </p:txBody>
+      </p:sp>
+      <p:sp>
+        <p:nvSpPr>
+          <p:cNvPr id="3" name="Content Placeholder 2"/>
+          <p:cNvSpPr>
+            <a:spLocks noGrp="1"/>
+          </p:cNvSpPr>
+          <p:nvPr>
+            <p:ph idx="1"/>
+          </p:nvPr>
+        </p:nvSpPr>
+        <p:spPr/>
+        <p:txBody>
+          <a:bodyPr/>
+          <a:lstStyle/>
+          <a:p>
+            <a:r>
+              <a:rPr lang="en-US" dirty="0" smtClean="0"/>
+              <a:t>After completing Steps 1 and 2 you are in principle ready to scale up and make </a:t>
+            </a:r>
+            <a:r>
+              <a:rPr lang="en-US" dirty="0" err="1" smtClean="0"/>
+              <a:t>TTree’s</a:t>
+            </a:r>
+            <a:r>
+              <a:rPr lang="en-US" dirty="0" smtClean="0"/>
+              <a:t> with hundreds of variables and create and analyze thousands of files</a:t>
+            </a:r>
+          </a:p>
+          <a:p>
+            <a:r>
+              <a:rPr lang="en-US" dirty="0" smtClean="0"/>
+              <a:t>If time permits you can try adding your own features to the existing example by adding variables and histograms, etc.</a:t>
+            </a:r>
+          </a:p>
+          <a:p>
+            <a:r>
+              <a:rPr lang="en-US" dirty="0" smtClean="0"/>
+              <a:t>Good luck and have fun!!</a:t>
+            </a:r>
+            <a:endParaRPr lang="en-US" dirty="0"/>
+          </a:p>
+        </p:txBody>
+      </p:sp>
+      <p:sp>
+        <p:nvSpPr>
+          <p:cNvPr id="4" name="Date Placeholder 3"/>
+          <p:cNvSpPr>
+            <a:spLocks noGrp="1"/>
+          </p:cNvSpPr>
+          <p:nvPr>
+            <p:ph type="dt" sz="half" idx="10"/>
+          </p:nvPr>
+        </p:nvSpPr>
+        <p:spPr/>
+        <p:txBody>
+          <a:bodyPr/>
+          <a:lstStyle/>
+          <a:p>
+            <a:r>
+              <a:rPr lang="en-US" smtClean="0"/>
+              <a:t>8/6-8/2012</a:t>
+            </a:r>
+            <a:endParaRPr lang="en-US"/>
+          </a:p>
+        </p:txBody>
+      </p:sp>
+      <p:sp>
+        <p:nvSpPr>
+          <p:cNvPr id="5" name="Slide Number Placeholder 4"/>
+          <p:cNvSpPr>
+            <a:spLocks noGrp="1"/>
+          </p:cNvSpPr>
+          <p:nvPr>
+            <p:ph type="sldNum" sz="quarter" idx="12"/>
+          </p:nvPr>
+        </p:nvSpPr>
+        <p:spPr/>
+        <p:txBody>
+          <a:bodyPr/>
+          <a:lstStyle/>
+          <a:p>
+            <a:fld id="{48AB6E34-F262-4D92-86D1-90DABD0568EC}" type="slidenum">
+              <a:rPr lang="en-US" smtClean="0"/>
+              <a:pPr/>
+              <a:t>10</a:t>
+            </a:fld>
+            <a:endParaRPr lang="en-US"/>
+          </a:p>
+        </p:txBody>
+      </p:sp>
+      <p:sp>
+        <p:nvSpPr>
+          <p:cNvPr id="6" name="Footer Placeholder 5"/>
+          <p:cNvSpPr>
+            <a:spLocks noGrp="1"/>
+          </p:cNvSpPr>
+          <p:nvPr>
+            <p:ph type="ftr" sz="quarter" idx="11"/>
+          </p:nvPr>
+        </p:nvSpPr>
+        <p:spPr/>
+        <p:txBody>
+          <a:bodyPr/>
+          <a:lstStyle/>
+          <a:p>
+            <a:r>
+              <a:rPr lang="en-US" smtClean="0"/>
+              <a:t>ASP2012 Grid School</a:t>
+            </a:r>
+            <a:endParaRPr lang="en-US"/>
+          </a:p>
+        </p:txBody>
+      </p:sp>
+    </p:spTree>
+  </p:cSld>
+  <p:clrMapOvr>
+    <a:masterClrMapping/>
+  </p:clrMapOvr>
+  <p:timing>
+    <p:tnLst>
+      <p:par>
+        <p:cTn id="1" dur="indefinite" restart="never" nodeType="tmRoot"/>
+      </p:par>
+    </p:tnLst>
+  </p:timing>
+</p:sld>
+</file>
+
 <file path=ppt/slides/slide2.xml><?xml version="1.0" encoding="utf-8"?>
 <p:sld xmlns:a="http://schemas.openxmlformats.org/drawingml/2006/main" xmlns:r="http://schemas.openxmlformats.org/officeDocument/2006/relationships" xmlns:p="http://schemas.openxmlformats.org/presentationml/2006/main">
   <p:cSld>
@@ -15931,15 +16208,7 @@
                   <a:srgbClr val="C00000"/>
                 </a:solidFill>
               </a:rPr>
-              <a:t>Distributed Organization for Scientific and </a:t>
-            </a:r>
-            <a:r>
-              <a:rPr lang="en-US" dirty="0" smtClean="0">
-                <a:solidFill>
-                  <a:srgbClr val="C00000"/>
-                </a:solidFill>
-              </a:rPr>
-              <a:t>Academic Research </a:t>
+              <a:t>Distributed Organization for Scientific and Academic Research </a:t>
             </a:r>
             <a:r>
               <a:rPr lang="en-US" dirty="0" smtClean="0">
@@ -15948,16 +16217,7 @@
                 </a:solidFill>
                 <a:hlinkClick r:id="rId3"/>
               </a:rPr>
-              <a:t>http://www.dosar.org</a:t>
-            </a:r>
-            <a:r>
-              <a:rPr lang="en-US" dirty="0" smtClean="0">
-                <a:solidFill>
-                  <a:srgbClr val="C00000"/>
-                </a:solidFill>
-                <a:hlinkClick r:id="rId3"/>
-              </a:rPr>
-              <a:t>/</a:t>
+              <a:t>http://www.dosar.org/</a:t>
             </a:r>
             <a:endParaRPr lang="en-US" dirty="0" smtClean="0">
               <a:solidFill>
@@ -15968,19 +16228,7 @@
           <a:p>
             <a:r>
               <a:rPr lang="en-US" dirty="0" smtClean="0"/>
-              <a:t>You are welcome to join our bi-weekly video (EVO) meetings. </a:t>
-            </a:r>
-            <a:r>
-              <a:rPr lang="en-US" dirty="0" smtClean="0"/>
-              <a:t>S</a:t>
-            </a:r>
-            <a:r>
-              <a:rPr lang="en-US" dirty="0" smtClean="0"/>
-              <a:t>end request to be added to DOSAR email list to Prof. </a:t>
-            </a:r>
-            <a:r>
-              <a:rPr lang="en-US" dirty="0" smtClean="0"/>
-              <a:t>Greenwood: </a:t>
+              <a:t>You are welcome to join our bi-weekly video (EVO) meetings. Send request to be added to DOSAR email list to Prof. Greenwood: </a:t>
             </a:r>
             <a:r>
               <a:rPr lang="en-US" dirty="0" smtClean="0">
@@ -16432,15 +16680,7 @@
             </a:r>
             <a:r>
               <a:rPr lang="en-US" dirty="0" smtClean="0"/>
-              <a:t> (event generators) and GEANT </a:t>
-            </a:r>
-            <a:r>
-              <a:rPr lang="en-US" dirty="0" smtClean="0"/>
-              <a:t>(to simulate our detector response) </a:t>
-            </a:r>
-            <a:r>
-              <a:rPr lang="en-US" dirty="0" smtClean="0"/>
-              <a:t>are used in Step 1</a:t>
+              <a:t> (event generators) and GEANT (to simulate our detector response) are used in Step 1</a:t>
             </a:r>
           </a:p>
           <a:p>
@@ -16451,21 +16691,8 @@
                   <a:srgbClr val="C00000"/>
                 </a:solidFill>
               </a:rPr>
-              <a:t>We will use a simple random generator of Gaussian </a:t>
-            </a:r>
-            <a:r>
-              <a:rPr lang="en-US" dirty="0" smtClean="0">
-                <a:solidFill>
-                  <a:srgbClr val="C00000"/>
-                </a:solidFill>
-              </a:rPr>
-              <a:t>distribution in Root</a:t>
-            </a:r>
-            <a:endParaRPr lang="en-US" dirty="0" smtClean="0">
-              <a:solidFill>
-                <a:srgbClr val="C00000"/>
-              </a:solidFill>
-            </a:endParaRPr>
+              <a:t>We will use a simple random generator of Gaussian distribution in Root</a:t>
+            </a:r>
           </a:p>
           <a:p>
             <a:r>
@@ -16559,6 +16786,13 @@
   <p:clrMapOvr>
     <a:masterClrMapping/>
   </p:clrMapOvr>
+  <p:timing>
+    <p:tnLst>
+      <p:par>
+        <p:cTn id="1" dur="indefinite" restart="never" nodeType="tmRoot"/>
+      </p:par>
+    </p:tnLst>
+  </p:timing>
 </p:sld>
 </file>
 
@@ -16600,7 +16834,7 @@
                   <a:srgbClr val="002060"/>
                 </a:solidFill>
               </a:rPr>
-              <a:t>Condor submission script</a:t>
+              <a:t>Root Documentation</a:t>
             </a:r>
             <a:endParaRPr lang="en-US" dirty="0">
               <a:solidFill>
@@ -16620,161 +16854,68 @@
             <p:ph idx="1"/>
           </p:nvPr>
         </p:nvSpPr>
-        <p:spPr>
-          <a:xfrm>
-            <a:off x="457200" y="1371600"/>
-            <a:ext cx="8229600" cy="4754563"/>
-          </a:xfrm>
-        </p:spPr>
-        <p:txBody>
-          <a:bodyPr>
-            <a:noAutofit/>
-          </a:bodyPr>
-          <a:lstStyle/>
-          <a:p>
-            <a:pPr>
-              <a:buNone/>
-            </a:pPr>
-            <a:r>
-              <a:rPr lang="en-US" sz="2200" dirty="0" smtClean="0"/>
-              <a:t>universe=grid </a:t>
-            </a:r>
-          </a:p>
-          <a:p>
-            <a:pPr>
-              <a:buNone/>
-            </a:pPr>
-            <a:r>
-              <a:rPr lang="en-US" sz="2200" dirty="0" err="1" smtClean="0"/>
-              <a:t>grid_resource</a:t>
-            </a:r>
-            <a:r>
-              <a:rPr lang="en-US" sz="2200" dirty="0" smtClean="0"/>
-              <a:t>=gt2 osgitb1.nhn.ou.edu/</a:t>
-            </a:r>
-            <a:r>
-              <a:rPr lang="en-US" sz="2200" dirty="0" err="1" smtClean="0"/>
-              <a:t>jobmanager</a:t>
-            </a:r>
-            <a:r>
-              <a:rPr lang="en-US" sz="2200" dirty="0" smtClean="0"/>
-              <a:t>-condor</a:t>
-            </a:r>
-          </a:p>
-          <a:p>
-            <a:pPr>
-              <a:buNone/>
-            </a:pPr>
-            <a:r>
-              <a:rPr lang="en-US" sz="2200" dirty="0" smtClean="0"/>
-              <a:t>executable=run-root.sh </a:t>
-            </a:r>
-          </a:p>
-          <a:p>
-            <a:pPr>
-              <a:buNone/>
-            </a:pPr>
-            <a:r>
-              <a:rPr lang="en-US" sz="2200" dirty="0" err="1" smtClean="0"/>
-              <a:t>transfer_input_files</a:t>
-            </a:r>
-            <a:r>
-              <a:rPr lang="en-US" sz="2200" dirty="0" smtClean="0"/>
-              <a:t> = run-</a:t>
-            </a:r>
-            <a:r>
-              <a:rPr lang="en-US" sz="2200" dirty="0" err="1" smtClean="0"/>
-              <a:t>root.C</a:t>
-            </a:r>
-            <a:r>
-              <a:rPr lang="en-US" sz="2200" dirty="0" smtClean="0"/>
-              <a:t> </a:t>
-            </a:r>
-          </a:p>
-          <a:p>
-            <a:pPr>
-              <a:buNone/>
-            </a:pPr>
-            <a:r>
-              <a:rPr lang="en-US" sz="2200" dirty="0" err="1" smtClean="0"/>
-              <a:t>transfer_executable</a:t>
-            </a:r>
-            <a:r>
-              <a:rPr lang="en-US" sz="2200" dirty="0" smtClean="0"/>
-              <a:t>=True </a:t>
-            </a:r>
-          </a:p>
-          <a:p>
-            <a:pPr>
-              <a:buNone/>
-            </a:pPr>
-            <a:r>
-              <a:rPr lang="en-US" sz="2200" dirty="0" err="1" smtClean="0"/>
-              <a:t>when_to_transfer_output</a:t>
-            </a:r>
-            <a:r>
-              <a:rPr lang="en-US" sz="2200" dirty="0" smtClean="0"/>
-              <a:t> = ON_EXIT </a:t>
-            </a:r>
-          </a:p>
-          <a:p>
-            <a:pPr>
-              <a:buNone/>
-            </a:pPr>
-            <a:r>
-              <a:rPr lang="en-US" sz="2200" dirty="0" smtClean="0"/>
-              <a:t>log=run-root.log </a:t>
-            </a:r>
-          </a:p>
-          <a:p>
-            <a:pPr>
-              <a:buNone/>
-            </a:pPr>
-            <a:r>
-              <a:rPr lang="en-US" sz="2200" dirty="0" err="1" smtClean="0"/>
-              <a:t>transfer_output_files</a:t>
-            </a:r>
-            <a:r>
-              <a:rPr lang="en-US" sz="2200" dirty="0" smtClean="0"/>
-              <a:t> = root.out,t00.root,t01.root </a:t>
-            </a:r>
-          </a:p>
-          <a:p>
-            <a:pPr>
-              <a:buNone/>
-            </a:pPr>
-            <a:r>
-              <a:rPr lang="en-US" sz="2200" dirty="0" smtClean="0"/>
-              <a:t>output=run-root.out.$(Cluster).$(Process) </a:t>
-            </a:r>
-          </a:p>
-          <a:p>
-            <a:pPr>
-              <a:buNone/>
-            </a:pPr>
-            <a:r>
-              <a:rPr lang="en-US" sz="2200" dirty="0" smtClean="0"/>
-              <a:t>error=run-root.err.$(Cluster).$(Process) </a:t>
-            </a:r>
-          </a:p>
-          <a:p>
-            <a:pPr>
-              <a:buNone/>
-            </a:pPr>
-            <a:r>
-              <a:rPr lang="en-US" sz="2200" dirty="0" smtClean="0"/>
-              <a:t>notification=Never </a:t>
-            </a:r>
-          </a:p>
-          <a:p>
-            <a:pPr>
-              <a:buNone/>
-            </a:pPr>
-            <a:r>
-              <a:rPr lang="en-US" sz="2200" dirty="0" smtClean="0"/>
-              <a:t>queue </a:t>
-            </a:r>
-            <a:endParaRPr lang="en-US" sz="2200" dirty="0"/>
+        <p:spPr/>
+        <p:txBody>
+          <a:bodyPr/>
+          <a:lstStyle/>
+          <a:p>
+            <a:r>
+              <a:rPr lang="en-US" dirty="0" smtClean="0"/>
+              <a:t>Web page:    </a:t>
+            </a:r>
+            <a:r>
+              <a:rPr lang="en-US" dirty="0" smtClean="0">
+                <a:hlinkClick r:id="rId2"/>
+              </a:rPr>
+              <a:t>http://</a:t>
+            </a:r>
+            <a:r>
+              <a:rPr lang="en-US" dirty="0" smtClean="0">
+                <a:solidFill>
+                  <a:srgbClr val="002060"/>
+                </a:solidFill>
+                <a:hlinkClick r:id="rId2"/>
+              </a:rPr>
+              <a:t>root.cern.ch</a:t>
+            </a:r>
+            <a:endParaRPr lang="en-US" dirty="0" smtClean="0">
+              <a:solidFill>
+                <a:srgbClr val="002060"/>
+              </a:solidFill>
+            </a:endParaRPr>
+          </a:p>
+          <a:p>
+            <a:r>
+              <a:rPr lang="en-US" dirty="0" smtClean="0"/>
+              <a:t>It is useful to click on:  </a:t>
+            </a:r>
+            <a:r>
+              <a:rPr lang="en-US" dirty="0" smtClean="0">
+                <a:solidFill>
+                  <a:srgbClr val="002060"/>
+                </a:solidFill>
+              </a:rPr>
+              <a:t>Documentation</a:t>
+            </a:r>
+            <a:r>
+              <a:rPr lang="en-US" dirty="0" smtClean="0"/>
+              <a:t> and then select: </a:t>
+            </a:r>
+            <a:r>
+              <a:rPr lang="en-US" dirty="0" smtClean="0">
+                <a:solidFill>
+                  <a:srgbClr val="002060"/>
+                </a:solidFill>
+              </a:rPr>
+              <a:t>Reference Guide</a:t>
+            </a:r>
+          </a:p>
+          <a:p>
+            <a:r>
+              <a:rPr lang="en-US" dirty="0" smtClean="0"/>
+              <a:t>From there you can look at the documentation and source code for all the Root classes in any version of Root</a:t>
+            </a:r>
+            <a:endParaRPr lang="en-US" dirty="0"/>
           </a:p>
         </p:txBody>
       </p:sp>
@@ -16803,7 +16944,30 @@
       </p:sp>
       <p:sp>
         <p:nvSpPr>
-          <p:cNvPr id="5" name="Slide Number Placeholder 4"/>
+          <p:cNvPr id="5" name="Footer Placeholder 4"/>
+          <p:cNvSpPr>
+            <a:spLocks noGrp="1"/>
+          </p:cNvSpPr>
+          <p:nvPr>
+            <p:ph type="ftr" sz="quarter" idx="11"/>
+          </p:nvPr>
+        </p:nvSpPr>
+        <p:spPr/>
+        <p:txBody>
+          <a:bodyPr/>
+          <a:lstStyle/>
+          <a:p>
+            <a:r>
+              <a:rPr lang="en-US" smtClean="0"/>
+              <a:t>ASP2012 Grid School</a:t>
+            </a:r>
+            <a:endParaRPr lang="en-US"/>
+          </a:p>
+        </p:txBody>
+      </p:sp>
+      <p:sp>
+        <p:nvSpPr>
+          <p:cNvPr id="6" name="Slide Number Placeholder 5"/>
           <p:cNvSpPr>
             <a:spLocks noGrp="1"/>
           </p:cNvSpPr>
@@ -16821,29 +16985,6 @@
               <a:pPr/>
               <a:t>5</a:t>
             </a:fld>
-            <a:endParaRPr lang="en-US"/>
-          </a:p>
-        </p:txBody>
-      </p:sp>
-      <p:sp>
-        <p:nvSpPr>
-          <p:cNvPr id="6" name="Footer Placeholder 5"/>
-          <p:cNvSpPr>
-            <a:spLocks noGrp="1"/>
-          </p:cNvSpPr>
-          <p:nvPr>
-            <p:ph type="ftr" sz="quarter" idx="11"/>
-          </p:nvPr>
-        </p:nvSpPr>
-        <p:spPr/>
-        <p:txBody>
-          <a:bodyPr/>
-          <a:lstStyle/>
-          <a:p>
-            <a:r>
-              <a:rPr lang="en-US" smtClean="0"/>
-              <a:t>ASP2012 Grid School</a:t>
-            </a:r>
             <a:endParaRPr lang="en-US"/>
           </a:p>
         </p:txBody>
@@ -16853,6 +16994,13 @@
   <p:clrMapOvr>
     <a:masterClrMapping/>
   </p:clrMapOvr>
+  <p:timing>
+    <p:tnLst>
+      <p:par>
+        <p:cTn id="1" dur="indefinite" restart="never" nodeType="tmRoot"/>
+      </p:par>
+    </p:tnLst>
+  </p:timing>
 </p:sld>
 </file>
 
@@ -16885,9 +17033,7 @@
         </p:nvSpPr>
         <p:spPr/>
         <p:txBody>
-          <a:bodyPr>
-            <a:normAutofit fontScale="90000"/>
-          </a:bodyPr>
+          <a:bodyPr/>
           <a:lstStyle/>
           <a:p>
             <a:r>
@@ -16896,7 +17042,7 @@
                   <a:srgbClr val="002060"/>
                 </a:solidFill>
               </a:rPr>
-              <a:t>Step 1: Create simulated data by running Root on the Grid</a:t>
+              <a:t>Condor submission script</a:t>
             </a:r>
             <a:endParaRPr lang="en-US" dirty="0">
               <a:solidFill>
@@ -16916,144 +17062,161 @@
             <p:ph idx="1"/>
           </p:nvPr>
         </p:nvSpPr>
-        <p:spPr/>
-        <p:txBody>
-          <a:bodyPr/>
-          <a:lstStyle/>
-          <a:p>
-            <a:r>
-              <a:rPr lang="en-US" dirty="0" smtClean="0"/>
-              <a:t>Contents of execution script: </a:t>
-            </a:r>
-            <a:r>
-              <a:rPr lang="en-US" b="1" dirty="0" smtClean="0">
-                <a:solidFill>
-                  <a:srgbClr val="002060"/>
-                </a:solidFill>
-              </a:rPr>
-              <a:t>run-root.sh</a:t>
-            </a:r>
-          </a:p>
-          <a:p>
-            <a:pPr lvl="1">
+        <p:spPr>
+          <a:xfrm>
+            <a:off x="457200" y="1371600"/>
+            <a:ext cx="8229600" cy="4754563"/>
+          </a:xfrm>
+        </p:spPr>
+        <p:txBody>
+          <a:bodyPr>
+            <a:noAutofit/>
+          </a:bodyPr>
+          <a:lstStyle/>
+          <a:p>
+            <a:pPr>
               <a:buNone/>
             </a:pPr>
             <a:r>
-              <a:rPr lang="en-US" dirty="0" smtClean="0">
-                <a:solidFill>
-                  <a:srgbClr val="C00000"/>
-                </a:solidFill>
-              </a:rPr>
-              <a:t>#!/bin/bash </a:t>
-            </a:r>
-          </a:p>
-          <a:p>
-            <a:pPr lvl="1">
+              <a:rPr lang="en-US" sz="2200" dirty="0" smtClean="0"/>
+              <a:t>universe=grid </a:t>
+            </a:r>
+          </a:p>
+          <a:p>
+            <a:pPr>
               <a:buNone/>
             </a:pPr>
             <a:r>
-              <a:rPr lang="en-US" dirty="0" smtClean="0">
-                <a:solidFill>
-                  <a:srgbClr val="C00000"/>
-                </a:solidFill>
-              </a:rPr>
-              <a:t>/</a:t>
-            </a:r>
-            <a:r>
-              <a:rPr lang="en-US" dirty="0" err="1" smtClean="0">
-                <a:solidFill>
-                  <a:srgbClr val="C00000"/>
-                </a:solidFill>
-              </a:rPr>
-              <a:t>usr</a:t>
-            </a:r>
-            <a:r>
-              <a:rPr lang="en-US" dirty="0" smtClean="0">
-                <a:solidFill>
-                  <a:srgbClr val="C00000"/>
-                </a:solidFill>
-              </a:rPr>
-              <a:t>/local/bin/root -b &lt; run-</a:t>
-            </a:r>
-            <a:r>
-              <a:rPr lang="en-US" dirty="0" err="1" smtClean="0">
-                <a:solidFill>
-                  <a:srgbClr val="C00000"/>
-                </a:solidFill>
-              </a:rPr>
+              <a:rPr lang="en-US" sz="2200" dirty="0" err="1" smtClean="0"/>
+              <a:t>grid_resource</a:t>
+            </a:r>
+            <a:r>
+              <a:rPr lang="en-US" sz="2200" dirty="0" smtClean="0"/>
+              <a:t>=gt2 osgitb1.nhn.ou.edu/</a:t>
+            </a:r>
+            <a:r>
+              <a:rPr lang="en-US" sz="2200" dirty="0" err="1" smtClean="0"/>
+              <a:t>jobmanager</a:t>
+            </a:r>
+            <a:r>
+              <a:rPr lang="en-US" sz="2200" dirty="0" smtClean="0"/>
+              <a:t>-condor</a:t>
+            </a:r>
+          </a:p>
+          <a:p>
+            <a:pPr>
+              <a:buNone/>
+            </a:pPr>
+            <a:r>
+              <a:rPr lang="en-US" sz="2200" dirty="0" smtClean="0"/>
+              <a:t>executable=run-root.sh </a:t>
+            </a:r>
+          </a:p>
+          <a:p>
+            <a:pPr>
+              <a:buNone/>
+            </a:pPr>
+            <a:r>
+              <a:rPr lang="en-US" sz="2200" dirty="0" err="1" smtClean="0"/>
+              <a:t>transfer_input_files</a:t>
+            </a:r>
+            <a:r>
+              <a:rPr lang="en-US" sz="2200" dirty="0" smtClean="0"/>
+              <a:t> = run-</a:t>
+            </a:r>
+            <a:r>
+              <a:rPr lang="en-US" sz="2200" dirty="0" err="1" smtClean="0"/>
               <a:t>root.C</a:t>
             </a:r>
             <a:r>
-              <a:rPr lang="en-US" dirty="0" smtClean="0">
-                <a:solidFill>
-                  <a:srgbClr val="C00000"/>
-                </a:solidFill>
-              </a:rPr>
-              <a:t> &gt; </a:t>
-            </a:r>
-            <a:r>
-              <a:rPr lang="en-US" dirty="0" err="1" smtClean="0">
-                <a:solidFill>
-                  <a:srgbClr val="C00000"/>
-                </a:solidFill>
-              </a:rPr>
-              <a:t>root.out</a:t>
-            </a:r>
-            <a:endParaRPr lang="en-US" dirty="0" smtClean="0">
-              <a:solidFill>
-                <a:srgbClr val="C00000"/>
-              </a:solidFill>
-            </a:endParaRPr>
+              <a:rPr lang="en-US" sz="2200" dirty="0" smtClean="0"/>
+              <a:t> </a:t>
+            </a:r>
           </a:p>
           <a:p>
             <a:pPr>
               <a:buNone/>
             </a:pPr>
             <a:r>
-              <a:rPr lang="en-US" dirty="0" smtClean="0"/>
-              <a:t>This command executes Root in batch mode using macro </a:t>
-            </a:r>
-            <a:r>
-              <a:rPr lang="en-US" b="1" dirty="0" smtClean="0">
-                <a:solidFill>
-                  <a:srgbClr val="002060"/>
-                </a:solidFill>
-              </a:rPr>
-              <a:t>run-</a:t>
-            </a:r>
-            <a:r>
-              <a:rPr lang="en-US" b="1" dirty="0" err="1" smtClean="0">
-                <a:solidFill>
-                  <a:srgbClr val="002060"/>
-                </a:solidFill>
-              </a:rPr>
-              <a:t>root.C</a:t>
-            </a:r>
-            <a:r>
-              <a:rPr lang="en-US" dirty="0" smtClean="0">
-                <a:solidFill>
-                  <a:srgbClr val="002060"/>
-                </a:solidFill>
-              </a:rPr>
-              <a:t> </a:t>
-            </a:r>
-            <a:r>
-              <a:rPr lang="en-US" dirty="0" smtClean="0"/>
-              <a:t>and routes output to file </a:t>
-            </a:r>
-            <a:r>
-              <a:rPr lang="en-US" b="1" dirty="0" err="1" smtClean="0">
-                <a:solidFill>
-                  <a:srgbClr val="002060"/>
-                </a:solidFill>
-              </a:rPr>
-              <a:t>root.out</a:t>
-            </a:r>
-            <a:endParaRPr lang="en-US" b="1" dirty="0">
-              <a:solidFill>
-                <a:srgbClr val="002060"/>
-              </a:solidFill>
-            </a:endParaRPr>
+              <a:rPr lang="en-US" sz="2200" dirty="0" err="1" smtClean="0"/>
+              <a:t>transfer_executable</a:t>
+            </a:r>
+            <a:r>
+              <a:rPr lang="en-US" sz="2200" dirty="0" smtClean="0"/>
+              <a:t>=True </a:t>
+            </a:r>
+          </a:p>
+          <a:p>
+            <a:pPr>
+              <a:buNone/>
+            </a:pPr>
+            <a:r>
+              <a:rPr lang="en-US" sz="2200" dirty="0" err="1" smtClean="0"/>
+              <a:t>when_to_transfer_output</a:t>
+            </a:r>
+            <a:r>
+              <a:rPr lang="en-US" sz="2200" dirty="0" smtClean="0"/>
+              <a:t> = ON_EXIT </a:t>
+            </a:r>
+          </a:p>
+          <a:p>
+            <a:pPr>
+              <a:buNone/>
+            </a:pPr>
+            <a:r>
+              <a:rPr lang="en-US" sz="2200" dirty="0" smtClean="0"/>
+              <a:t>log=run-root.log </a:t>
+            </a:r>
+          </a:p>
+          <a:p>
+            <a:pPr>
+              <a:buNone/>
+            </a:pPr>
+            <a:r>
+              <a:rPr lang="en-US" sz="2200" dirty="0" err="1" smtClean="0"/>
+              <a:t>transfer_output_files</a:t>
+            </a:r>
+            <a:r>
+              <a:rPr lang="en-US" sz="2200" dirty="0" smtClean="0"/>
+              <a:t> = root.out,t00.root,t01.root </a:t>
+            </a:r>
+          </a:p>
+          <a:p>
+            <a:pPr>
+              <a:buNone/>
+            </a:pPr>
+            <a:r>
+              <a:rPr lang="en-US" sz="2200" dirty="0" smtClean="0"/>
+              <a:t>output=run-root.out.$(Cluster).$(Process) </a:t>
+            </a:r>
+          </a:p>
+          <a:p>
+            <a:pPr>
+              <a:buNone/>
+            </a:pPr>
+            <a:r>
+              <a:rPr lang="en-US" sz="2200" dirty="0" smtClean="0"/>
+              <a:t>error=run-root.err.$(Cluster).$(Process) </a:t>
+            </a:r>
+          </a:p>
+          <a:p>
+            <a:pPr>
+              <a:buNone/>
+            </a:pPr>
+            <a:r>
+              <a:rPr lang="en-US" sz="2200" dirty="0" smtClean="0"/>
+              <a:t>notification=Never </a:t>
+            </a:r>
+          </a:p>
+          <a:p>
+            <a:pPr>
+              <a:buNone/>
+            </a:pPr>
+            <a:r>
+              <a:rPr lang="en-US" sz="2200" dirty="0" smtClean="0"/>
+              <a:t>queue </a:t>
+            </a:r>
+            <a:endParaRPr lang="en-US" sz="2200" dirty="0"/>
           </a:p>
         </p:txBody>
       </p:sp>
@@ -17132,6 +17295,13 @@
   <p:clrMapOvr>
     <a:masterClrMapping/>
   </p:clrMapOvr>
+  <p:timing>
+    <p:tnLst>
+      <p:par>
+        <p:cTn id="1" dur="indefinite" restart="never" nodeType="tmRoot"/>
+      </p:par>
+    </p:tnLst>
+  </p:timing>
 </p:sld>
 </file>
 
@@ -17175,22 +17345,122 @@
                   <a:srgbClr val="002060"/>
                 </a:solidFill>
               </a:rPr>
-              <a:t>Step 1: Create simulated data</a:t>
-            </a:r>
-            <a:br>
-              <a:rPr lang="en-US" dirty="0" smtClean="0">
+              <a:t>Step 1: Create simulated data by running Root on the Grid</a:t>
+            </a:r>
+            <a:endParaRPr lang="en-US" dirty="0">
+              <a:solidFill>
+                <a:srgbClr val="002060"/>
+              </a:solidFill>
+            </a:endParaRPr>
+          </a:p>
+        </p:txBody>
+      </p:sp>
+      <p:sp>
+        <p:nvSpPr>
+          <p:cNvPr id="3" name="Content Placeholder 2"/>
+          <p:cNvSpPr>
+            <a:spLocks noGrp="1"/>
+          </p:cNvSpPr>
+          <p:nvPr>
+            <p:ph idx="1"/>
+          </p:nvPr>
+        </p:nvSpPr>
+        <p:spPr/>
+        <p:txBody>
+          <a:bodyPr/>
+          <a:lstStyle/>
+          <a:p>
+            <a:r>
+              <a:rPr lang="en-US" dirty="0" smtClean="0"/>
+              <a:t>Contents of execution script: </a:t>
+            </a:r>
+            <a:r>
+              <a:rPr lang="en-US" b="1" dirty="0" smtClean="0">
                 <a:solidFill>
                   <a:srgbClr val="002060"/>
                 </a:solidFill>
               </a:rPr>
-            </a:br>
+              <a:t>run-root.sh</a:t>
+            </a:r>
+          </a:p>
+          <a:p>
+            <a:pPr lvl="1">
+              <a:buNone/>
+            </a:pPr>
             <a:r>
               <a:rPr lang="en-US" dirty="0" smtClean="0">
                 <a:solidFill>
-                  <a:srgbClr val="002060"/>
+                  <a:srgbClr val="C00000"/>
                 </a:solidFill>
               </a:rPr>
-              <a:t>by running Root with macro </a:t>
+              <a:t>#!/bin/bash </a:t>
+            </a:r>
+          </a:p>
+          <a:p>
+            <a:pPr lvl="1">
+              <a:buNone/>
+            </a:pPr>
+            <a:r>
+              <a:rPr lang="en-US" dirty="0" smtClean="0">
+                <a:solidFill>
+                  <a:srgbClr val="C00000"/>
+                </a:solidFill>
+              </a:rPr>
+              <a:t>/</a:t>
+            </a:r>
+            <a:r>
+              <a:rPr lang="en-US" dirty="0" err="1" smtClean="0">
+                <a:solidFill>
+                  <a:srgbClr val="C00000"/>
+                </a:solidFill>
+              </a:rPr>
+              <a:t>usr</a:t>
+            </a:r>
+            <a:r>
+              <a:rPr lang="en-US" dirty="0" smtClean="0">
+                <a:solidFill>
+                  <a:srgbClr val="C00000"/>
+                </a:solidFill>
+              </a:rPr>
+              <a:t>/local/bin/root -b &lt; run-</a:t>
+            </a:r>
+            <a:r>
+              <a:rPr lang="en-US" dirty="0" err="1" smtClean="0">
+                <a:solidFill>
+                  <a:srgbClr val="C00000"/>
+                </a:solidFill>
+              </a:rPr>
+              <a:t>root.C</a:t>
+            </a:r>
+            <a:r>
+              <a:rPr lang="en-US" dirty="0" smtClean="0">
+                <a:solidFill>
+                  <a:srgbClr val="C00000"/>
+                </a:solidFill>
+              </a:rPr>
+              <a:t> &gt; </a:t>
+            </a:r>
+            <a:r>
+              <a:rPr lang="en-US" dirty="0" err="1" smtClean="0">
+                <a:solidFill>
+                  <a:srgbClr val="C00000"/>
+                </a:solidFill>
+              </a:rPr>
+              <a:t>root.out</a:t>
+            </a:r>
+            <a:endParaRPr lang="en-US" dirty="0" smtClean="0">
+              <a:solidFill>
+                <a:srgbClr val="C00000"/>
+              </a:solidFill>
+            </a:endParaRPr>
+          </a:p>
+          <a:p>
+            <a:pPr>
+              <a:buNone/>
+            </a:pPr>
+            <a:r>
+              <a:rPr lang="en-US" dirty="0" smtClean="0"/>
+              <a:t>This command executes Root in batch mode using macro </a:t>
             </a:r>
             <a:r>
               <a:rPr lang="en-US" b="1" dirty="0" smtClean="0">
@@ -17208,6 +17478,26 @@
               </a:rPr>
               <a:t>root.C</a:t>
             </a:r>
+            <a:r>
+              <a:rPr lang="en-US" dirty="0" smtClean="0">
+                <a:solidFill>
+                  <a:srgbClr val="002060"/>
+                </a:solidFill>
+              </a:rPr>
+              <a:t> </a:t>
+            </a:r>
+            <a:r>
+              <a:rPr lang="en-US" dirty="0" smtClean="0"/>
+              <a:t>and routes output to file </a:t>
+            </a:r>
+            <a:r>
+              <a:rPr lang="en-US" b="1" dirty="0" err="1" smtClean="0">
+                <a:solidFill>
+                  <a:srgbClr val="002060"/>
+                </a:solidFill>
+              </a:rPr>
+              <a:t>root.out</a:t>
+            </a:r>
             <a:endParaRPr lang="en-US" b="1" dirty="0">
               <a:solidFill>
                 <a:srgbClr val="002060"/>
@@ -17218,127 +17508,6 @@
       </p:sp>
       <p:sp>
         <p:nvSpPr>
-          <p:cNvPr id="3" name="Content Placeholder 2"/>
-          <p:cNvSpPr>
-            <a:spLocks noGrp="1"/>
-          </p:cNvSpPr>
-          <p:nvPr>
-            <p:ph idx="1"/>
-          </p:nvPr>
-        </p:nvSpPr>
-        <p:spPr>
-          <a:xfrm>
-            <a:off x="457200" y="1600200"/>
-            <a:ext cx="8458200" cy="4525963"/>
-          </a:xfrm>
-        </p:spPr>
-        <p:txBody>
-          <a:bodyPr>
-            <a:normAutofit lnSpcReduction="10000"/>
-          </a:bodyPr>
-          <a:lstStyle/>
-          <a:p>
-            <a:r>
-              <a:rPr lang="en-US" dirty="0" smtClean="0"/>
-              <a:t>Create </a:t>
-            </a:r>
-            <a:r>
-              <a:rPr lang="en-US" dirty="0" err="1" smtClean="0"/>
-              <a:t>TFile</a:t>
-            </a:r>
-            <a:r>
-              <a:rPr lang="en-US" dirty="0" smtClean="0"/>
-              <a:t> 0 for “run 0” (t00.root)</a:t>
-            </a:r>
-          </a:p>
-          <a:p>
-            <a:r>
-              <a:rPr lang="en-US" dirty="0" smtClean="0"/>
-              <a:t>Create </a:t>
-            </a:r>
-            <a:r>
-              <a:rPr lang="en-US" dirty="0" err="1" smtClean="0"/>
-              <a:t>TTree</a:t>
-            </a:r>
-            <a:r>
-              <a:rPr lang="en-US" dirty="0" smtClean="0"/>
-              <a:t> object (“t0”) to store data in Root</a:t>
-            </a:r>
-          </a:p>
-          <a:p>
-            <a:pPr lvl="1"/>
-            <a:r>
-              <a:rPr lang="en-US" dirty="0" smtClean="0"/>
-              <a:t>Generate 100 “events” each with Gaussian distributed “Energy”</a:t>
-            </a:r>
-          </a:p>
-          <a:p>
-            <a:pPr lvl="1"/>
-            <a:r>
-              <a:rPr lang="en-US" dirty="0" smtClean="0"/>
-              <a:t>Fill </a:t>
-            </a:r>
-            <a:r>
-              <a:rPr lang="en-US" dirty="0" err="1" smtClean="0"/>
-              <a:t>TTree</a:t>
-            </a:r>
-            <a:r>
-              <a:rPr lang="en-US" dirty="0" smtClean="0"/>
-              <a:t> branches for each event</a:t>
-            </a:r>
-          </a:p>
-          <a:p>
-            <a:r>
-              <a:rPr lang="en-US" dirty="0" smtClean="0"/>
-              <a:t>Write </a:t>
-            </a:r>
-            <a:r>
-              <a:rPr lang="en-US" dirty="0" err="1" smtClean="0"/>
-              <a:t>TFile</a:t>
-            </a:r>
-            <a:r>
-              <a:rPr lang="en-US" dirty="0" smtClean="0"/>
-              <a:t> 0</a:t>
-            </a:r>
-          </a:p>
-          <a:p>
-            <a:r>
-              <a:rPr lang="en-US" dirty="0" smtClean="0"/>
-              <a:t>Close </a:t>
-            </a:r>
-            <a:r>
-              <a:rPr lang="en-US" dirty="0" err="1" smtClean="0"/>
-              <a:t>TFile</a:t>
-            </a:r>
-            <a:r>
-              <a:rPr lang="en-US" dirty="0" smtClean="0"/>
-              <a:t> 0</a:t>
-            </a:r>
-          </a:p>
-          <a:p>
-            <a:r>
-              <a:rPr lang="en-US" dirty="0" smtClean="0"/>
-              <a:t>Repeat  above steps to create </a:t>
-            </a:r>
-            <a:r>
-              <a:rPr lang="en-US" dirty="0" err="1" smtClean="0"/>
-              <a:t>TFile</a:t>
-            </a:r>
-            <a:r>
-              <a:rPr lang="en-US" dirty="0" smtClean="0"/>
-              <a:t> 1 for “run 1” (t01.root)</a:t>
-            </a:r>
-          </a:p>
-          <a:p>
-            <a:pPr>
-              <a:buNone/>
-            </a:pPr>
-            <a:endParaRPr lang="en-US" dirty="0"/>
-          </a:p>
-        </p:txBody>
-      </p:sp>
-      <p:sp>
-        <p:nvSpPr>
           <p:cNvPr id="4" name="Date Placeholder 3"/>
           <p:cNvSpPr>
             <a:spLocks noGrp="1"/>
@@ -17412,6 +17581,13 @@
   <p:clrMapOvr>
     <a:masterClrMapping/>
   </p:clrMapOvr>
+  <p:timing>
+    <p:tnLst>
+      <p:par>
+        <p:cTn id="1" dur="indefinite" restart="never" nodeType="tmRoot"/>
+      </p:par>
+    </p:tnLst>
+  </p:timing>
 </p:sld>
 </file>
 
@@ -17444,7 +17620,9 @@
         </p:nvSpPr>
         <p:spPr/>
         <p:txBody>
-          <a:bodyPr/>
+          <a:bodyPr>
+            <a:normAutofit fontScale="90000"/>
+          </a:bodyPr>
           <a:lstStyle/>
           <a:p>
             <a:r>
@@ -17453,156 +17631,164 @@
                   <a:srgbClr val="002060"/>
                 </a:solidFill>
               </a:rPr>
-              <a:t>Step 2: make </a:t>
-            </a:r>
-            <a:r>
-              <a:rPr lang="en-US" dirty="0" err="1" smtClean="0">
-                <a:solidFill>
-                  <a:srgbClr val="002060"/>
-                </a:solidFill>
-              </a:rPr>
-              <a:t>TSelector</a:t>
-            </a:r>
-            <a:endParaRPr lang="en-US" dirty="0">
-              <a:solidFill>
-                <a:srgbClr val="002060"/>
-              </a:solidFill>
-            </a:endParaRPr>
-          </a:p>
-        </p:txBody>
-      </p:sp>
-      <p:sp>
-        <p:nvSpPr>
-          <p:cNvPr id="3" name="Content Placeholder 2"/>
-          <p:cNvSpPr>
-            <a:spLocks noGrp="1"/>
-          </p:cNvSpPr>
-          <p:nvPr>
-            <p:ph idx="1"/>
-          </p:nvPr>
-        </p:nvSpPr>
-        <p:spPr/>
-        <p:txBody>
-          <a:bodyPr/>
-          <a:lstStyle/>
-          <a:p>
-            <a:pPr>
-              <a:buNone/>
-            </a:pPr>
-            <a:r>
-              <a:rPr lang="en-US" dirty="0" err="1" smtClean="0">
-                <a:solidFill>
-                  <a:srgbClr val="C00000"/>
-                </a:solidFill>
-              </a:rPr>
-              <a:t>TFile</a:t>
-            </a:r>
-            <a:r>
-              <a:rPr lang="en-US" dirty="0" smtClean="0">
-                <a:solidFill>
-                  <a:srgbClr val="C00000"/>
-                </a:solidFill>
-              </a:rPr>
-              <a:t> f("t00.root");  //open file</a:t>
-            </a:r>
-          </a:p>
-          <a:p>
-            <a:pPr>
-              <a:buNone/>
-            </a:pPr>
-            <a:r>
-              <a:rPr lang="en-US" dirty="0" smtClean="0">
-                <a:solidFill>
-                  <a:srgbClr val="C00000"/>
-                </a:solidFill>
-              </a:rPr>
-              <a:t>t0.MakeSelector("s0");  //create </a:t>
-            </a:r>
-            <a:r>
-              <a:rPr lang="en-US" dirty="0" err="1" smtClean="0">
-                <a:solidFill>
-                  <a:srgbClr val="C00000"/>
-                </a:solidFill>
-              </a:rPr>
-              <a:t>TSelector</a:t>
-            </a:r>
-            <a:r>
-              <a:rPr lang="en-US" dirty="0" smtClean="0">
-                <a:solidFill>
-                  <a:srgbClr val="C00000"/>
-                </a:solidFill>
-              </a:rPr>
-              <a:t> “s0”</a:t>
-            </a:r>
-          </a:p>
-          <a:p>
-            <a:pPr>
-              <a:buNone/>
-            </a:pPr>
-            <a:r>
-              <a:rPr lang="en-US" dirty="0" err="1" smtClean="0">
-                <a:solidFill>
-                  <a:srgbClr val="C00000"/>
-                </a:solidFill>
-              </a:rPr>
-              <a:t>f.Close</a:t>
-            </a:r>
-            <a:r>
-              <a:rPr lang="en-US" dirty="0" smtClean="0">
-                <a:solidFill>
-                  <a:srgbClr val="C00000"/>
-                </a:solidFill>
-              </a:rPr>
-              <a:t>();  //close file</a:t>
-            </a:r>
-          </a:p>
-          <a:p>
-            <a:pPr>
-              <a:buNone/>
-            </a:pPr>
-            <a:endParaRPr lang="en-US" dirty="0">
-              <a:solidFill>
-                <a:srgbClr val="C00000"/>
-              </a:solidFill>
-            </a:endParaRPr>
-          </a:p>
-          <a:p>
-            <a:pPr>
-              <a:buNone/>
-            </a:pPr>
-            <a:r>
-              <a:rPr lang="en-US" dirty="0" smtClean="0"/>
-              <a:t>This creates two files with code: </a:t>
-            </a:r>
-            <a:r>
+              <a:t>Step 1: Create simulated data</a:t>
+            </a:r>
+            <a:br>
               <a:rPr lang="en-US" dirty="0" smtClean="0">
                 <a:solidFill>
                   <a:srgbClr val="002060"/>
                 </a:solidFill>
               </a:rPr>
-              <a:t>s0.C</a:t>
-            </a:r>
-            <a:r>
-              <a:rPr lang="en-US" dirty="0" smtClean="0"/>
-              <a:t> and </a:t>
-            </a:r>
+            </a:br>
             <a:r>
               <a:rPr lang="en-US" dirty="0" smtClean="0">
                 <a:solidFill>
                   <a:srgbClr val="002060"/>
                 </a:solidFill>
               </a:rPr>
-              <a:t>s0.h</a:t>
+              <a:t>by running Root with macro </a:t>
+            </a:r>
+            <a:r>
+              <a:rPr lang="en-US" b="1" dirty="0" smtClean="0">
+                <a:solidFill>
+                  <a:srgbClr val="002060"/>
+                </a:solidFill>
+              </a:rPr>
+              <a:t>run-</a:t>
+            </a:r>
+            <a:r>
+              <a:rPr lang="en-US" b="1" dirty="0" err="1" smtClean="0">
+                <a:solidFill>
+                  <a:srgbClr val="002060"/>
+                </a:solidFill>
+              </a:rPr>
+              <a:t>root.C</a:t>
+            </a:r>
+            <a:endParaRPr lang="en-US" b="1" dirty="0">
+              <a:solidFill>
+                <a:srgbClr val="002060"/>
+              </a:solidFill>
+            </a:endParaRPr>
+          </a:p>
+        </p:txBody>
+      </p:sp>
+      <p:sp>
+        <p:nvSpPr>
+          <p:cNvPr id="3" name="Content Placeholder 2"/>
+          <p:cNvSpPr>
+            <a:spLocks noGrp="1"/>
+          </p:cNvSpPr>
+          <p:nvPr>
+            <p:ph idx="1"/>
+          </p:nvPr>
+        </p:nvSpPr>
+        <p:spPr>
+          <a:xfrm>
+            <a:off x="457200" y="1600200"/>
+            <a:ext cx="8458200" cy="4525963"/>
+          </a:xfrm>
+        </p:spPr>
+        <p:txBody>
+          <a:bodyPr>
+            <a:normAutofit lnSpcReduction="10000"/>
+          </a:bodyPr>
+          <a:lstStyle/>
+          <a:p>
+            <a:r>
+              <a:rPr lang="en-US" dirty="0" smtClean="0"/>
+              <a:t>Create </a:t>
+            </a:r>
+            <a:r>
+              <a:rPr lang="en-US" dirty="0" err="1" smtClean="0"/>
+              <a:t>TFile</a:t>
+            </a:r>
+            <a:r>
+              <a:rPr lang="en-US" dirty="0" smtClean="0"/>
+              <a:t> 0 for “run 0” (t00.root)</a:t>
+            </a:r>
+          </a:p>
+          <a:p>
+            <a:r>
+              <a:rPr lang="en-US" dirty="0" smtClean="0"/>
+              <a:t>Create </a:t>
+            </a:r>
+            <a:r>
+              <a:rPr lang="en-US" dirty="0" err="1" smtClean="0"/>
+              <a:t>TTree</a:t>
+            </a:r>
+            <a:r>
+              <a:rPr lang="en-US" dirty="0" smtClean="0"/>
+              <a:t> object (“t0”) to store data in Root</a:t>
+            </a:r>
+          </a:p>
+          <a:p>
+            <a:pPr lvl="1"/>
+            <a:r>
+              <a:rPr lang="en-US" dirty="0" smtClean="0"/>
+              <a:t>Generate 100 “events” each with Gaussian distributed “Energy”</a:t>
+            </a:r>
+          </a:p>
+          <a:p>
+            <a:pPr lvl="1"/>
+            <a:r>
+              <a:rPr lang="en-US" dirty="0" smtClean="0"/>
+              <a:t>Fill </a:t>
+            </a:r>
+            <a:r>
+              <a:rPr lang="en-US" dirty="0" err="1" smtClean="0"/>
+              <a:t>TTree</a:t>
+            </a:r>
+            <a:r>
+              <a:rPr lang="en-US" dirty="0" smtClean="0"/>
+              <a:t> branches for each event</a:t>
+            </a:r>
+          </a:p>
+          <a:p>
+            <a:r>
+              <a:rPr lang="en-US" dirty="0" smtClean="0"/>
+              <a:t>Write </a:t>
+            </a:r>
+            <a:r>
+              <a:rPr lang="en-US" dirty="0" err="1" smtClean="0"/>
+              <a:t>TFile</a:t>
+            </a:r>
+            <a:r>
+              <a:rPr lang="en-US" dirty="0" smtClean="0"/>
+              <a:t> 0</a:t>
+            </a:r>
+          </a:p>
+          <a:p>
+            <a:r>
+              <a:rPr lang="en-US" dirty="0" smtClean="0"/>
+              <a:t>Close </a:t>
+            </a:r>
+            <a:r>
+              <a:rPr lang="en-US" dirty="0" err="1" smtClean="0"/>
+              <a:t>TFile</a:t>
+            </a:r>
+            <a:r>
+              <a:rPr lang="en-US" dirty="0" smtClean="0"/>
+              <a:t> 0</a:t>
+            </a:r>
+          </a:p>
+          <a:p>
+            <a:r>
+              <a:rPr lang="en-US" dirty="0" smtClean="0"/>
+              <a:t>Repeat  above steps to create </a:t>
+            </a:r>
+            <a:r>
+              <a:rPr lang="en-US" dirty="0" err="1" smtClean="0"/>
+              <a:t>TFile</a:t>
+            </a:r>
+            <a:r>
+              <a:rPr lang="en-US" dirty="0" smtClean="0"/>
+              <a:t> 1 for “run 1” (t01.root)</a:t>
             </a:r>
           </a:p>
           <a:p>
             <a:pPr>
               <a:buNone/>
             </a:pPr>
-            <a:r>
-              <a:rPr lang="en-US" dirty="0" smtClean="0"/>
-              <a:t>We will modify these files to add a histogram of the Energy variable and use them to process the simulated data on the Grid</a:t>
-            </a:r>
             <a:endParaRPr lang="en-US" dirty="0"/>
           </a:p>
         </p:txBody>
@@ -17682,6 +17868,13 @@
   <p:clrMapOvr>
     <a:masterClrMapping/>
   </p:clrMapOvr>
+  <p:timing>
+    <p:tnLst>
+      <p:par>
+        <p:cTn id="1" dur="indefinite" restart="never" nodeType="tmRoot"/>
+      </p:par>
+    </p:tnLst>
+  </p:timing>
 </p:sld>
 </file>
 
@@ -17723,7 +17916,15 @@
                   <a:srgbClr val="002060"/>
                 </a:solidFill>
               </a:rPr>
-              <a:t>Conclusion</a:t>
+              <a:t>Step 2: make </a:t>
+            </a:r>
+            <a:r>
+              <a:rPr lang="en-US" dirty="0" err="1" smtClean="0">
+                <a:solidFill>
+                  <a:srgbClr val="002060"/>
+                </a:solidFill>
+              </a:rPr>
+              <a:t>TSelector</a:t>
             </a:r>
             <a:endParaRPr lang="en-US" dirty="0">
               <a:solidFill>
@@ -17748,29 +17949,122 @@
           <a:bodyPr/>
           <a:lstStyle/>
           <a:p>
+            <a:pPr>
+              <a:buNone/>
+            </a:pPr>
+            <a:r>
+              <a:rPr lang="en-US" dirty="0" err="1" smtClean="0">
+                <a:solidFill>
+                  <a:srgbClr val="C00000"/>
+                </a:solidFill>
+              </a:rPr>
+              <a:t>TFile</a:t>
+            </a:r>
+            <a:r>
+              <a:rPr lang="en-US" dirty="0" smtClean="0">
+                <a:solidFill>
+                  <a:srgbClr val="C00000"/>
+                </a:solidFill>
+              </a:rPr>
+              <a:t> f("t00.root");  //open file</a:t>
+            </a:r>
+          </a:p>
+          <a:p>
+            <a:pPr>
+              <a:buNone/>
+            </a:pPr>
+            <a:r>
+              <a:rPr lang="en-US" dirty="0" smtClean="0">
+                <a:solidFill>
+                  <a:srgbClr val="C00000"/>
+                </a:solidFill>
+              </a:rPr>
+              <a:t>t0.MakeSelector("s0");  //create </a:t>
+            </a:r>
+            <a:r>
+              <a:rPr lang="en-US" dirty="0" err="1" smtClean="0">
+                <a:solidFill>
+                  <a:srgbClr val="C00000"/>
+                </a:solidFill>
+              </a:rPr>
+              <a:t>TSelector</a:t>
+            </a:r>
+            <a:r>
+              <a:rPr lang="en-US" dirty="0" smtClean="0">
+                <a:solidFill>
+                  <a:srgbClr val="C00000"/>
+                </a:solidFill>
+              </a:rPr>
+              <a:t> “s0”</a:t>
+            </a:r>
+          </a:p>
+          <a:p>
+            <a:pPr>
+              <a:buNone/>
+            </a:pPr>
+            <a:r>
+              <a:rPr lang="en-US" dirty="0" err="1" smtClean="0">
+                <a:solidFill>
+                  <a:srgbClr val="C00000"/>
+                </a:solidFill>
+              </a:rPr>
+              <a:t>f.Close</a:t>
+            </a:r>
+            <a:r>
+              <a:rPr lang="en-US" dirty="0" smtClean="0">
+                <a:solidFill>
+                  <a:srgbClr val="C00000"/>
+                </a:solidFill>
+              </a:rPr>
+              <a:t>();  //close file</a:t>
+            </a:r>
+          </a:p>
+          <a:p>
+            <a:pPr>
+              <a:buNone/>
+            </a:pPr>
+            <a:endParaRPr lang="en-US" dirty="0">
+              <a:solidFill>
+                <a:srgbClr val="C00000"/>
+              </a:solidFill>
+            </a:endParaRPr>
+          </a:p>
+          <a:p>
+            <a:pPr>
+              <a:buNone/>
+            </a:pPr>
             <a:r>
               <a:rPr lang="en-US" dirty="0" smtClean="0"/>
-              <a:t>After completing Steps 1 and 2 you are in principle ready to scale up and make </a:t>
-            </a:r>
-            <a:r>
-              <a:rPr lang="en-US" dirty="0" err="1" smtClean="0"/>
-              <a:t>TTree’s</a:t>
+              <a:t>This creates two files with code: </a:t>
+            </a:r>
+            <a:r>
+              <a:rPr lang="en-US" dirty="0" smtClean="0">
+                <a:solidFill>
+                  <a:srgbClr val="002060"/>
+                </a:solidFill>
+              </a:rPr>
+              <a:t>s0.C</a:t>
             </a:r>
             <a:r>
               <a:rPr lang="en-US" dirty="0" smtClean="0"/>
-              <a:t> with hundreds of variables and create and analyze thousands of files</a:t>
-            </a:r>
-          </a:p>
-          <a:p>
+              <a:t> and </a:t>
+            </a:r>
+            <a:r>
+              <a:rPr lang="en-US" dirty="0" smtClean="0">
+                <a:solidFill>
+                  <a:srgbClr val="002060"/>
+                </a:solidFill>
+              </a:rPr>
+              <a:t>s0.h</a:t>
+            </a:r>
+          </a:p>
+          <a:p>
+            <a:pPr>
+              <a:buNone/>
+            </a:pPr>
             <a:r>
               <a:rPr lang="en-US" dirty="0" smtClean="0"/>
-              <a:t>If time permits you can try adding your own features to the existing example by adding variables and histograms, etc.</a:t>
-            </a:r>
-          </a:p>
-          <a:p>
-            <a:r>
-              <a:rPr lang="en-US" dirty="0" smtClean="0"/>
-              <a:t>Good luck and have fun!!</a:t>
+              <a:t>We will modify these files to add a histogram of the Energy variable and use them to process the simulated data on the Grid</a:t>
             </a:r>
             <a:endParaRPr lang="en-US" dirty="0"/>
           </a:p>
@@ -17851,6 +18145,13 @@
   <p:clrMapOvr>
     <a:masterClrMapping/>
   </p:clrMapOvr>
+  <p:timing>
+    <p:tnLst>
+      <p:par>
+        <p:cTn id="1" dur="indefinite" restart="never" nodeType="tmRoot"/>
+      </p:par>
+    </p:tnLst>
+  </p:timing>
 </p:sld>
 </file>
 
